--- a/documentum/건축심화세미나(2022)/22020926_AISC Chapter H Combined Forces/class structure diagram.pptx
+++ b/documentum/건축심화세미나(2022)/22020926_AISC Chapter H Combined Forces/class structure diagram.pptx
@@ -254,7 +254,7 @@
           <a:p>
             <a:fld id="{DCC5FADC-ABE8-4F6B-8FF3-600ECBADAF4F}" type="datetimeFigureOut">
               <a:rPr lang="ko-KR" altLang="en-US" smtClean="0"/>
-              <a:t>2022-09-29</a:t>
+              <a:t>2022-09-30</a:t>
             </a:fld>
             <a:endParaRPr lang="ko-KR" altLang="en-US"/>
           </a:p>
@@ -424,7 +424,7 @@
           <a:p>
             <a:fld id="{DCC5FADC-ABE8-4F6B-8FF3-600ECBADAF4F}" type="datetimeFigureOut">
               <a:rPr lang="ko-KR" altLang="en-US" smtClean="0"/>
-              <a:t>2022-09-29</a:t>
+              <a:t>2022-09-30</a:t>
             </a:fld>
             <a:endParaRPr lang="ko-KR" altLang="en-US"/>
           </a:p>
@@ -604,7 +604,7 @@
           <a:p>
             <a:fld id="{DCC5FADC-ABE8-4F6B-8FF3-600ECBADAF4F}" type="datetimeFigureOut">
               <a:rPr lang="ko-KR" altLang="en-US" smtClean="0"/>
-              <a:t>2022-09-29</a:t>
+              <a:t>2022-09-30</a:t>
             </a:fld>
             <a:endParaRPr lang="ko-KR" altLang="en-US"/>
           </a:p>
@@ -774,7 +774,7 @@
           <a:p>
             <a:fld id="{DCC5FADC-ABE8-4F6B-8FF3-600ECBADAF4F}" type="datetimeFigureOut">
               <a:rPr lang="ko-KR" altLang="en-US" smtClean="0"/>
-              <a:t>2022-09-29</a:t>
+              <a:t>2022-09-30</a:t>
             </a:fld>
             <a:endParaRPr lang="ko-KR" altLang="en-US"/>
           </a:p>
@@ -1020,7 +1020,7 @@
           <a:p>
             <a:fld id="{DCC5FADC-ABE8-4F6B-8FF3-600ECBADAF4F}" type="datetimeFigureOut">
               <a:rPr lang="ko-KR" altLang="en-US" smtClean="0"/>
-              <a:t>2022-09-29</a:t>
+              <a:t>2022-09-30</a:t>
             </a:fld>
             <a:endParaRPr lang="ko-KR" altLang="en-US"/>
           </a:p>
@@ -1252,7 +1252,7 @@
           <a:p>
             <a:fld id="{DCC5FADC-ABE8-4F6B-8FF3-600ECBADAF4F}" type="datetimeFigureOut">
               <a:rPr lang="ko-KR" altLang="en-US" smtClean="0"/>
-              <a:t>2022-09-29</a:t>
+              <a:t>2022-09-30</a:t>
             </a:fld>
             <a:endParaRPr lang="ko-KR" altLang="en-US"/>
           </a:p>
@@ -1619,7 +1619,7 @@
           <a:p>
             <a:fld id="{DCC5FADC-ABE8-4F6B-8FF3-600ECBADAF4F}" type="datetimeFigureOut">
               <a:rPr lang="ko-KR" altLang="en-US" smtClean="0"/>
-              <a:t>2022-09-29</a:t>
+              <a:t>2022-09-30</a:t>
             </a:fld>
             <a:endParaRPr lang="ko-KR" altLang="en-US"/>
           </a:p>
@@ -1737,7 +1737,7 @@
           <a:p>
             <a:fld id="{DCC5FADC-ABE8-4F6B-8FF3-600ECBADAF4F}" type="datetimeFigureOut">
               <a:rPr lang="ko-KR" altLang="en-US" smtClean="0"/>
-              <a:t>2022-09-29</a:t>
+              <a:t>2022-09-30</a:t>
             </a:fld>
             <a:endParaRPr lang="ko-KR" altLang="en-US"/>
           </a:p>
@@ -1832,7 +1832,7 @@
           <a:p>
             <a:fld id="{DCC5FADC-ABE8-4F6B-8FF3-600ECBADAF4F}" type="datetimeFigureOut">
               <a:rPr lang="ko-KR" altLang="en-US" smtClean="0"/>
-              <a:t>2022-09-29</a:t>
+              <a:t>2022-09-30</a:t>
             </a:fld>
             <a:endParaRPr lang="ko-KR" altLang="en-US"/>
           </a:p>
@@ -2109,7 +2109,7 @@
           <a:p>
             <a:fld id="{DCC5FADC-ABE8-4F6B-8FF3-600ECBADAF4F}" type="datetimeFigureOut">
               <a:rPr lang="ko-KR" altLang="en-US" smtClean="0"/>
-              <a:t>2022-09-29</a:t>
+              <a:t>2022-09-30</a:t>
             </a:fld>
             <a:endParaRPr lang="ko-KR" altLang="en-US"/>
           </a:p>
@@ -2362,7 +2362,7 @@
           <a:p>
             <a:fld id="{DCC5FADC-ABE8-4F6B-8FF3-600ECBADAF4F}" type="datetimeFigureOut">
               <a:rPr lang="ko-KR" altLang="en-US" smtClean="0"/>
-              <a:t>2022-09-29</a:t>
+              <a:t>2022-09-30</a:t>
             </a:fld>
             <a:endParaRPr lang="ko-KR" altLang="en-US"/>
           </a:p>
@@ -2575,7 +2575,7 @@
           <a:p>
             <a:fld id="{DCC5FADC-ABE8-4F6B-8FF3-600ECBADAF4F}" type="datetimeFigureOut">
               <a:rPr lang="ko-KR" altLang="en-US" smtClean="0"/>
-              <a:t>2022-09-29</a:t>
+              <a:t>2022-09-30</a:t>
             </a:fld>
             <a:endParaRPr lang="ko-KR" altLang="en-US"/>
           </a:p>
@@ -8355,10 +8355,6 @@
               </a:rPr>
               <a:t>Property</a:t>
             </a:r>
-            <a:endParaRPr lang="en-US" altLang="ko-KR" sz="1200" dirty="0" smtClean="0">
-              <a:latin typeface="리디바탕" panose="020B0600000101010101" pitchFamily="34" charset="-127"/>
-              <a:ea typeface="리디바탕" panose="020B0600000101010101" pitchFamily="34" charset="-127"/>
-            </a:endParaRPr>
           </a:p>
         </p:txBody>
       </p:sp>
@@ -8445,10 +8441,6 @@
               </a:rPr>
               <a:t>: Flexure</a:t>
             </a:r>
-            <a:endParaRPr lang="en-US" altLang="ko-KR" sz="900" dirty="0" smtClean="0">
-              <a:latin typeface="리디바탕" panose="020B0600000101010101" pitchFamily="34" charset="-127"/>
-              <a:ea typeface="리디바탕" panose="020B0600000101010101" pitchFamily="34" charset="-127"/>
-            </a:endParaRPr>
           </a:p>
         </p:txBody>
       </p:sp>
@@ -8550,10 +8542,6 @@
               </a:rPr>
               <a:t>: Tensile</a:t>
             </a:r>
-            <a:endParaRPr lang="en-US" altLang="ko-KR" sz="900" dirty="0" smtClean="0">
-              <a:latin typeface="리디바탕" panose="020B0600000101010101" pitchFamily="34" charset="-127"/>
-              <a:ea typeface="리디바탕" panose="020B0600000101010101" pitchFamily="34" charset="-127"/>
-            </a:endParaRPr>
           </a:p>
         </p:txBody>
       </p:sp>
@@ -8599,10 +8587,6 @@
               </a:rPr>
               <a:t>: Combined</a:t>
             </a:r>
-            <a:endParaRPr lang="en-US" altLang="ko-KR" sz="900" dirty="0" smtClean="0">
-              <a:latin typeface="리디바탕" panose="020B0600000101010101" pitchFamily="34" charset="-127"/>
-              <a:ea typeface="리디바탕" panose="020B0600000101010101" pitchFamily="34" charset="-127"/>
-            </a:endParaRPr>
           </a:p>
         </p:txBody>
       </p:sp>
@@ -8621,7 +8605,7 @@
             <a:avLst/>
           </a:prstGeom>
           <a:solidFill>
-            <a:srgbClr val="00CC99"/>
+            <a:srgbClr val="009999"/>
           </a:solidFill>
           <a:ln>
             <a:noFill/>
@@ -8820,6 +8804,67 @@
               </a:rPr>
               <a:t>: Flexure</a:t>
             </a:r>
+          </a:p>
+        </p:txBody>
+      </p:sp>
+      <p:sp>
+        <p:nvSpPr>
+          <p:cNvPr id="18" name="직사각형 17"/>
+          <p:cNvSpPr/>
+          <p:nvPr/>
+        </p:nvSpPr>
+        <p:spPr>
+          <a:xfrm>
+            <a:off x="7824003" y="3113442"/>
+            <a:ext cx="1929209" cy="230832"/>
+          </a:xfrm>
+          <a:prstGeom prst="rect">
+            <a:avLst/>
+          </a:prstGeom>
+          <a:solidFill>
+            <a:schemeClr val="accent3">
+              <a:lumMod val="60000"/>
+              <a:lumOff val="40000"/>
+            </a:schemeClr>
+          </a:solidFill>
+        </p:spPr>
+        <p:txBody>
+          <a:bodyPr wrap="square">
+            <a:spAutoFit/>
+          </a:bodyPr>
+          <a:lstStyle/>
+          <a:p>
+            <a:pPr algn="ctr"/>
+            <a:r>
+              <a:rPr lang="en-US" altLang="ko-KR" sz="900" dirty="0" err="1">
+                <a:solidFill>
+                  <a:schemeClr val="bg1"/>
+                </a:solidFill>
+                <a:latin typeface="리디바탕" panose="020B0600000101010101" pitchFamily="34" charset="-127"/>
+                <a:ea typeface="리디바탕" panose="020B0600000101010101" pitchFamily="34" charset="-127"/>
+              </a:rPr>
+              <a:t>SubDesignChecker</a:t>
+            </a:r>
+            <a:r>
+              <a:rPr lang="en-US" altLang="ko-KR" sz="900" dirty="0">
+                <a:solidFill>
+                  <a:schemeClr val="bg1"/>
+                </a:solidFill>
+                <a:latin typeface="리디바탕" panose="020B0600000101010101" pitchFamily="34" charset="-127"/>
+                <a:ea typeface="리디바탕" panose="020B0600000101010101" pitchFamily="34" charset="-127"/>
+              </a:rPr>
+              <a:t>: </a:t>
+            </a:r>
+            <a:r>
+              <a:rPr lang="en-US" altLang="ko-KR" sz="900" dirty="0" err="1" smtClean="0">
+                <a:solidFill>
+                  <a:schemeClr val="bg1"/>
+                </a:solidFill>
+                <a:latin typeface="리디바탕" panose="020B0600000101010101" pitchFamily="34" charset="-127"/>
+                <a:ea typeface="리디바탕" panose="020B0600000101010101" pitchFamily="34" charset="-127"/>
+              </a:rPr>
+              <a:t>Compressure</a:t>
+            </a:r>
             <a:endParaRPr lang="en-US" altLang="ko-KR" sz="900" dirty="0" smtClean="0">
               <a:solidFill>
                 <a:schemeClr val="bg1"/>
@@ -8832,20 +8877,20 @@
       </p:sp>
       <p:sp>
         <p:nvSpPr>
-          <p:cNvPr id="18" name="직사각형 17"/>
+          <p:cNvPr id="19" name="직사각형 18"/>
           <p:cNvSpPr/>
           <p:nvPr/>
         </p:nvSpPr>
         <p:spPr>
           <a:xfrm>
-            <a:off x="7824003" y="3113442"/>
-            <a:ext cx="1929209" cy="230832"/>
+            <a:off x="7824004" y="3344244"/>
+            <a:ext cx="1929208" cy="230832"/>
           </a:xfrm>
           <a:prstGeom prst="rect">
             <a:avLst/>
           </a:prstGeom>
           <a:solidFill>
-            <a:schemeClr val="accent3">
+            <a:schemeClr val="accent1">
               <a:lumMod val="60000"/>
               <a:lumOff val="40000"/>
             </a:schemeClr>
@@ -8879,41 +8924,34 @@
               <a:t>: </a:t>
             </a:r>
             <a:r>
-              <a:rPr lang="en-US" altLang="ko-KR" sz="900" dirty="0" err="1" smtClean="0">
+              <a:rPr lang="en-US" altLang="ko-KR" sz="900" dirty="0" smtClean="0">
                 <a:solidFill>
                   <a:schemeClr val="bg1"/>
                 </a:solidFill>
                 <a:latin typeface="리디바탕" panose="020B0600000101010101" pitchFamily="34" charset="-127"/>
                 <a:ea typeface="리디바탕" panose="020B0600000101010101" pitchFamily="34" charset="-127"/>
               </a:rPr>
-              <a:t>Compressure</a:t>
-            </a:r>
-            <a:endParaRPr lang="en-US" altLang="ko-KR" sz="900" dirty="0" smtClean="0">
-              <a:solidFill>
-                <a:schemeClr val="bg1"/>
-              </a:solidFill>
-              <a:latin typeface="리디바탕" panose="020B0600000101010101" pitchFamily="34" charset="-127"/>
-              <a:ea typeface="리디바탕" panose="020B0600000101010101" pitchFamily="34" charset="-127"/>
-            </a:endParaRPr>
-          </a:p>
-        </p:txBody>
-      </p:sp>
-      <p:sp>
-        <p:nvSpPr>
-          <p:cNvPr id="19" name="직사각형 18"/>
+              <a:t>Tensile</a:t>
+            </a:r>
+          </a:p>
+        </p:txBody>
+      </p:sp>
+      <p:sp>
+        <p:nvSpPr>
+          <p:cNvPr id="20" name="직사각형 19"/>
           <p:cNvSpPr/>
           <p:nvPr/>
         </p:nvSpPr>
         <p:spPr>
           <a:xfrm>
-            <a:off x="7824004" y="3344244"/>
-            <a:ext cx="1929208" cy="230832"/>
+            <a:off x="7824004" y="3575076"/>
+            <a:ext cx="1929209" cy="230832"/>
           </a:xfrm>
           <a:prstGeom prst="rect">
             <a:avLst/>
           </a:prstGeom>
           <a:solidFill>
-            <a:schemeClr val="accent1">
+            <a:schemeClr val="accent2">
               <a:lumMod val="60000"/>
               <a:lumOff val="40000"/>
             </a:schemeClr>
@@ -8954,83 +8992,8 @@
                 <a:latin typeface="리디바탕" panose="020B0600000101010101" pitchFamily="34" charset="-127"/>
                 <a:ea typeface="리디바탕" panose="020B0600000101010101" pitchFamily="34" charset="-127"/>
               </a:rPr>
-              <a:t>Tensile</a:t>
-            </a:r>
-            <a:endParaRPr lang="en-US" altLang="ko-KR" sz="900" dirty="0" smtClean="0">
-              <a:solidFill>
-                <a:schemeClr val="bg1"/>
-              </a:solidFill>
-              <a:latin typeface="리디바탕" panose="020B0600000101010101" pitchFamily="34" charset="-127"/>
-              <a:ea typeface="리디바탕" panose="020B0600000101010101" pitchFamily="34" charset="-127"/>
-            </a:endParaRPr>
-          </a:p>
-        </p:txBody>
-      </p:sp>
-      <p:sp>
-        <p:nvSpPr>
-          <p:cNvPr id="20" name="직사각형 19"/>
-          <p:cNvSpPr/>
-          <p:nvPr/>
-        </p:nvSpPr>
-        <p:spPr>
-          <a:xfrm>
-            <a:off x="7824004" y="3575076"/>
-            <a:ext cx="1929209" cy="230832"/>
-          </a:xfrm>
-          <a:prstGeom prst="rect">
-            <a:avLst/>
-          </a:prstGeom>
-          <a:solidFill>
-            <a:schemeClr val="accent2">
-              <a:lumMod val="60000"/>
-              <a:lumOff val="40000"/>
-            </a:schemeClr>
-          </a:solidFill>
-        </p:spPr>
-        <p:txBody>
-          <a:bodyPr wrap="square">
-            <a:spAutoFit/>
-          </a:bodyPr>
-          <a:lstStyle/>
-          <a:p>
-            <a:pPr algn="ctr"/>
-            <a:r>
-              <a:rPr lang="en-US" altLang="ko-KR" sz="900" dirty="0" err="1">
-                <a:solidFill>
-                  <a:schemeClr val="bg1"/>
-                </a:solidFill>
-                <a:latin typeface="리디바탕" panose="020B0600000101010101" pitchFamily="34" charset="-127"/>
-                <a:ea typeface="리디바탕" panose="020B0600000101010101" pitchFamily="34" charset="-127"/>
-              </a:rPr>
-              <a:t>SubDesignChecker</a:t>
-            </a:r>
-            <a:r>
-              <a:rPr lang="en-US" altLang="ko-KR" sz="900" dirty="0">
-                <a:solidFill>
-                  <a:schemeClr val="bg1"/>
-                </a:solidFill>
-                <a:latin typeface="리디바탕" panose="020B0600000101010101" pitchFamily="34" charset="-127"/>
-                <a:ea typeface="리디바탕" panose="020B0600000101010101" pitchFamily="34" charset="-127"/>
-              </a:rPr>
-              <a:t>: </a:t>
-            </a:r>
-            <a:r>
-              <a:rPr lang="en-US" altLang="ko-KR" sz="900" dirty="0" smtClean="0">
-                <a:solidFill>
-                  <a:schemeClr val="bg1"/>
-                </a:solidFill>
-                <a:latin typeface="리디바탕" panose="020B0600000101010101" pitchFamily="34" charset="-127"/>
-                <a:ea typeface="리디바탕" panose="020B0600000101010101" pitchFamily="34" charset="-127"/>
-              </a:rPr>
               <a:t>Combined</a:t>
             </a:r>
-            <a:endParaRPr lang="en-US" altLang="ko-KR" sz="900" dirty="0" smtClean="0">
-              <a:solidFill>
-                <a:schemeClr val="bg1"/>
-              </a:solidFill>
-              <a:latin typeface="리디바탕" panose="020B0600000101010101" pitchFamily="34" charset="-127"/>
-              <a:ea typeface="리디바탕" panose="020B0600000101010101" pitchFamily="34" charset="-127"/>
-            </a:endParaRPr>
           </a:p>
         </p:txBody>
       </p:sp>
@@ -11021,6 +10984,84 @@
           </a:fontRef>
         </p:style>
       </p:cxnSp>
+      <p:cxnSp>
+        <p:nvCxnSpPr>
+          <p:cNvPr id="58" name="직선 연결선 57"/>
+          <p:cNvCxnSpPr/>
+          <p:nvPr/>
+        </p:nvCxnSpPr>
+        <p:spPr>
+          <a:xfrm>
+            <a:off x="2609877" y="2428040"/>
+            <a:ext cx="0" cy="2696514"/>
+          </a:xfrm>
+          <a:prstGeom prst="line">
+            <a:avLst/>
+          </a:prstGeom>
+          <a:ln>
+            <a:solidFill>
+              <a:schemeClr val="bg1">
+                <a:lumMod val="50000"/>
+              </a:schemeClr>
+            </a:solidFill>
+            <a:prstDash val="dash"/>
+            <a:tailEnd type="triangle"/>
+          </a:ln>
+        </p:spPr>
+        <p:style>
+          <a:lnRef idx="1">
+            <a:schemeClr val="accent1"/>
+          </a:lnRef>
+          <a:fillRef idx="0">
+            <a:schemeClr val="accent1"/>
+          </a:fillRef>
+          <a:effectRef idx="0">
+            <a:schemeClr val="accent1"/>
+          </a:effectRef>
+          <a:fontRef idx="minor">
+            <a:schemeClr val="tx1"/>
+          </a:fontRef>
+        </p:style>
+      </p:cxnSp>
+      <p:cxnSp>
+        <p:nvCxnSpPr>
+          <p:cNvPr id="60" name="직선 연결선 59"/>
+          <p:cNvCxnSpPr/>
+          <p:nvPr/>
+        </p:nvCxnSpPr>
+        <p:spPr>
+          <a:xfrm>
+            <a:off x="1202091" y="2428040"/>
+            <a:ext cx="0" cy="2696514"/>
+          </a:xfrm>
+          <a:prstGeom prst="line">
+            <a:avLst/>
+          </a:prstGeom>
+          <a:ln>
+            <a:solidFill>
+              <a:schemeClr val="bg1">
+                <a:lumMod val="50000"/>
+              </a:schemeClr>
+            </a:solidFill>
+            <a:prstDash val="dash"/>
+            <a:tailEnd type="triangle"/>
+          </a:ln>
+        </p:spPr>
+        <p:style>
+          <a:lnRef idx="1">
+            <a:schemeClr val="accent1"/>
+          </a:lnRef>
+          <a:fillRef idx="0">
+            <a:schemeClr val="accent1"/>
+          </a:fillRef>
+          <a:effectRef idx="0">
+            <a:schemeClr val="accent1"/>
+          </a:effectRef>
+          <a:fontRef idx="minor">
+            <a:schemeClr val="tx1"/>
+          </a:fontRef>
+        </p:style>
+      </p:cxnSp>
     </p:spTree>
     <p:extLst>
       <p:ext uri="{BB962C8B-B14F-4D97-AF65-F5344CB8AC3E}">
@@ -11626,7 +11667,7 @@
             <a:avLst/>
           </a:prstGeom>
           <a:solidFill>
-            <a:srgbClr val="00CC99"/>
+            <a:srgbClr val="009999"/>
           </a:solidFill>
           <a:ln>
             <a:noFill/>
@@ -11654,7 +11695,7 @@
           <a:p>
             <a:pPr algn="ctr"/>
             <a:r>
-              <a:rPr lang="en-US" altLang="ko-KR" sz="1600" dirty="0" err="1" smtClean="0">
+              <a:rPr lang="en-US" altLang="ko-KR" sz="1600" dirty="0" err="1">
                 <a:solidFill>
                   <a:schemeClr val="tx1"/>
                 </a:solidFill>
@@ -13502,7 +13543,7 @@
             <a:avLst/>
           </a:prstGeom>
           <a:solidFill>
-            <a:srgbClr val="00CC99"/>
+            <a:srgbClr val="009999"/>
           </a:solidFill>
           <a:ln>
             <a:noFill/>
@@ -13530,7 +13571,7 @@
           <a:p>
             <a:pPr algn="ctr"/>
             <a:r>
-              <a:rPr lang="en-US" altLang="ko-KR" sz="1600" dirty="0" err="1" smtClean="0">
+              <a:rPr lang="en-US" altLang="ko-KR" sz="1600" dirty="0" err="1">
                 <a:solidFill>
                   <a:schemeClr val="tx1"/>
                 </a:solidFill>

--- a/documentum/건축심화세미나(2022)/22020926_AISC Chapter H Combined Forces/class structure diagram.pptx
+++ b/documentum/건축심화세미나(2022)/22020926_AISC Chapter H Combined Forces/class structure diagram.pptx
@@ -254,7 +254,7 @@
           <a:p>
             <a:fld id="{DCC5FADC-ABE8-4F6B-8FF3-600ECBADAF4F}" type="datetimeFigureOut">
               <a:rPr lang="ko-KR" altLang="en-US" smtClean="0"/>
-              <a:t>2022-09-30</a:t>
+              <a:t>2022-10-24</a:t>
             </a:fld>
             <a:endParaRPr lang="ko-KR" altLang="en-US"/>
           </a:p>
@@ -424,7 +424,7 @@
           <a:p>
             <a:fld id="{DCC5FADC-ABE8-4F6B-8FF3-600ECBADAF4F}" type="datetimeFigureOut">
               <a:rPr lang="ko-KR" altLang="en-US" smtClean="0"/>
-              <a:t>2022-09-30</a:t>
+              <a:t>2022-10-24</a:t>
             </a:fld>
             <a:endParaRPr lang="ko-KR" altLang="en-US"/>
           </a:p>
@@ -604,7 +604,7 @@
           <a:p>
             <a:fld id="{DCC5FADC-ABE8-4F6B-8FF3-600ECBADAF4F}" type="datetimeFigureOut">
               <a:rPr lang="ko-KR" altLang="en-US" smtClean="0"/>
-              <a:t>2022-09-30</a:t>
+              <a:t>2022-10-24</a:t>
             </a:fld>
             <a:endParaRPr lang="ko-KR" altLang="en-US"/>
           </a:p>
@@ -774,7 +774,7 @@
           <a:p>
             <a:fld id="{DCC5FADC-ABE8-4F6B-8FF3-600ECBADAF4F}" type="datetimeFigureOut">
               <a:rPr lang="ko-KR" altLang="en-US" smtClean="0"/>
-              <a:t>2022-09-30</a:t>
+              <a:t>2022-10-24</a:t>
             </a:fld>
             <a:endParaRPr lang="ko-KR" altLang="en-US"/>
           </a:p>
@@ -1020,7 +1020,7 @@
           <a:p>
             <a:fld id="{DCC5FADC-ABE8-4F6B-8FF3-600ECBADAF4F}" type="datetimeFigureOut">
               <a:rPr lang="ko-KR" altLang="en-US" smtClean="0"/>
-              <a:t>2022-09-30</a:t>
+              <a:t>2022-10-24</a:t>
             </a:fld>
             <a:endParaRPr lang="ko-KR" altLang="en-US"/>
           </a:p>
@@ -1252,7 +1252,7 @@
           <a:p>
             <a:fld id="{DCC5FADC-ABE8-4F6B-8FF3-600ECBADAF4F}" type="datetimeFigureOut">
               <a:rPr lang="ko-KR" altLang="en-US" smtClean="0"/>
-              <a:t>2022-09-30</a:t>
+              <a:t>2022-10-24</a:t>
             </a:fld>
             <a:endParaRPr lang="ko-KR" altLang="en-US"/>
           </a:p>
@@ -1619,7 +1619,7 @@
           <a:p>
             <a:fld id="{DCC5FADC-ABE8-4F6B-8FF3-600ECBADAF4F}" type="datetimeFigureOut">
               <a:rPr lang="ko-KR" altLang="en-US" smtClean="0"/>
-              <a:t>2022-09-30</a:t>
+              <a:t>2022-10-24</a:t>
             </a:fld>
             <a:endParaRPr lang="ko-KR" altLang="en-US"/>
           </a:p>
@@ -1737,7 +1737,7 @@
           <a:p>
             <a:fld id="{DCC5FADC-ABE8-4F6B-8FF3-600ECBADAF4F}" type="datetimeFigureOut">
               <a:rPr lang="ko-KR" altLang="en-US" smtClean="0"/>
-              <a:t>2022-09-30</a:t>
+              <a:t>2022-10-24</a:t>
             </a:fld>
             <a:endParaRPr lang="ko-KR" altLang="en-US"/>
           </a:p>
@@ -1832,7 +1832,7 @@
           <a:p>
             <a:fld id="{DCC5FADC-ABE8-4F6B-8FF3-600ECBADAF4F}" type="datetimeFigureOut">
               <a:rPr lang="ko-KR" altLang="en-US" smtClean="0"/>
-              <a:t>2022-09-30</a:t>
+              <a:t>2022-10-24</a:t>
             </a:fld>
             <a:endParaRPr lang="ko-KR" altLang="en-US"/>
           </a:p>
@@ -2109,7 +2109,7 @@
           <a:p>
             <a:fld id="{DCC5FADC-ABE8-4F6B-8FF3-600ECBADAF4F}" type="datetimeFigureOut">
               <a:rPr lang="ko-KR" altLang="en-US" smtClean="0"/>
-              <a:t>2022-09-30</a:t>
+              <a:t>2022-10-24</a:t>
             </a:fld>
             <a:endParaRPr lang="ko-KR" altLang="en-US"/>
           </a:p>
@@ -2362,7 +2362,7 @@
           <a:p>
             <a:fld id="{DCC5FADC-ABE8-4F6B-8FF3-600ECBADAF4F}" type="datetimeFigureOut">
               <a:rPr lang="ko-KR" altLang="en-US" smtClean="0"/>
-              <a:t>2022-09-30</a:t>
+              <a:t>2022-10-24</a:t>
             </a:fld>
             <a:endParaRPr lang="ko-KR" altLang="en-US"/>
           </a:p>
@@ -2575,7 +2575,7 @@
           <a:p>
             <a:fld id="{DCC5FADC-ABE8-4F6B-8FF3-600ECBADAF4F}" type="datetimeFigureOut">
               <a:rPr lang="ko-KR" altLang="en-US" smtClean="0"/>
-              <a:t>2022-09-30</a:t>
+              <a:t>2022-10-24</a:t>
             </a:fld>
             <a:endParaRPr lang="ko-KR" altLang="en-US"/>
           </a:p>
@@ -11062,6 +11062,42 @@
           </a:fontRef>
         </p:style>
       </p:cxnSp>
+      <p:sp>
+        <p:nvSpPr>
+          <p:cNvPr id="61" name="TextBox 60"/>
+          <p:cNvSpPr txBox="1"/>
+          <p:nvPr/>
+        </p:nvSpPr>
+        <p:spPr>
+          <a:xfrm>
+            <a:off x="7621183" y="650507"/>
+            <a:ext cx="660758" cy="246221"/>
+          </a:xfrm>
+          <a:prstGeom prst="rect">
+            <a:avLst/>
+          </a:prstGeom>
+          <a:noFill/>
+        </p:spPr>
+        <p:txBody>
+          <a:bodyPr wrap="none" rtlCol="0">
+            <a:spAutoFit/>
+          </a:bodyPr>
+          <a:lstStyle/>
+          <a:p>
+            <a:r>
+              <a:rPr lang="en-US" altLang="ko-KR" sz="1000" dirty="0" smtClean="0">
+                <a:latin typeface="리디바탕" panose="020B0600000101010101" pitchFamily="34" charset="-127"/>
+                <a:ea typeface="리디바탕" panose="020B0600000101010101" pitchFamily="34" charset="-127"/>
+              </a:rPr>
+              <a:t>. . . . . . . .</a:t>
+            </a:r>
+            <a:endParaRPr lang="ko-KR" altLang="en-US" sz="1000" dirty="0">
+              <a:latin typeface="리디바탕" panose="020B0600000101010101" pitchFamily="34" charset="-127"/>
+              <a:ea typeface="리디바탕" panose="020B0600000101010101" pitchFamily="34" charset="-127"/>
+            </a:endParaRPr>
+          </a:p>
+        </p:txBody>
+      </p:sp>
     </p:spTree>
     <p:extLst>
       <p:ext uri="{BB962C8B-B14F-4D97-AF65-F5344CB8AC3E}">
@@ -13135,6 +13171,42 @@
           </a:p>
         </p:txBody>
       </p:sp>
+      <p:sp>
+        <p:nvSpPr>
+          <p:cNvPr id="41" name="TextBox 40"/>
+          <p:cNvSpPr txBox="1"/>
+          <p:nvPr/>
+        </p:nvSpPr>
+        <p:spPr>
+          <a:xfrm>
+            <a:off x="8409922" y="2522223"/>
+            <a:ext cx="660758" cy="246221"/>
+          </a:xfrm>
+          <a:prstGeom prst="rect">
+            <a:avLst/>
+          </a:prstGeom>
+          <a:noFill/>
+        </p:spPr>
+        <p:txBody>
+          <a:bodyPr wrap="none" rtlCol="0">
+            <a:spAutoFit/>
+          </a:bodyPr>
+          <a:lstStyle/>
+          <a:p>
+            <a:r>
+              <a:rPr lang="en-US" altLang="ko-KR" sz="1000" dirty="0" smtClean="0">
+                <a:latin typeface="리디바탕" panose="020B0600000101010101" pitchFamily="34" charset="-127"/>
+                <a:ea typeface="리디바탕" panose="020B0600000101010101" pitchFamily="34" charset="-127"/>
+              </a:rPr>
+              <a:t>. . . . . . . .</a:t>
+            </a:r>
+            <a:endParaRPr lang="ko-KR" altLang="en-US" sz="1000" dirty="0">
+              <a:latin typeface="리디바탕" panose="020B0600000101010101" pitchFamily="34" charset="-127"/>
+              <a:ea typeface="리디바탕" panose="020B0600000101010101" pitchFamily="34" charset="-127"/>
+            </a:endParaRPr>
+          </a:p>
+        </p:txBody>
+      </p:sp>
     </p:spTree>
     <p:extLst>
       <p:ext uri="{BB962C8B-B14F-4D97-AF65-F5344CB8AC3E}">
@@ -14976,6 +15048,42 @@
           <a:p>
             <a:pPr algn="ctr"/>
             <a:endParaRPr lang="ko-KR" altLang="en-US"/>
+          </a:p>
+        </p:txBody>
+      </p:sp>
+      <p:sp>
+        <p:nvSpPr>
+          <p:cNvPr id="41" name="TextBox 40"/>
+          <p:cNvSpPr txBox="1"/>
+          <p:nvPr/>
+        </p:nvSpPr>
+        <p:spPr>
+          <a:xfrm>
+            <a:off x="8409922" y="2522223"/>
+            <a:ext cx="660758" cy="246221"/>
+          </a:xfrm>
+          <a:prstGeom prst="rect">
+            <a:avLst/>
+          </a:prstGeom>
+          <a:noFill/>
+        </p:spPr>
+        <p:txBody>
+          <a:bodyPr wrap="none" rtlCol="0">
+            <a:spAutoFit/>
+          </a:bodyPr>
+          <a:lstStyle/>
+          <a:p>
+            <a:r>
+              <a:rPr lang="en-US" altLang="ko-KR" sz="1000" dirty="0" smtClean="0">
+                <a:latin typeface="리디바탕" panose="020B0600000101010101" pitchFamily="34" charset="-127"/>
+                <a:ea typeface="리디바탕" panose="020B0600000101010101" pitchFamily="34" charset="-127"/>
+              </a:rPr>
+              <a:t>. . . . . . . .</a:t>
+            </a:r>
+            <a:endParaRPr lang="ko-KR" altLang="en-US" sz="1000" dirty="0">
+              <a:latin typeface="리디바탕" panose="020B0600000101010101" pitchFamily="34" charset="-127"/>
+              <a:ea typeface="리디바탕" panose="020B0600000101010101" pitchFamily="34" charset="-127"/>
+            </a:endParaRPr>
           </a:p>
         </p:txBody>
       </p:sp>
